--- a/ゲーミングに使うあれこれ/プレイヤーへの指示/E_物語作成用の様式.pptx
+++ b/ゲーミングに使うあれこれ/プレイヤーへの指示/E_物語作成用の様式.pptx
@@ -5,15 +5,16 @@
     <p:sldMasterId id="2147483648" r:id="rId1"/>
   </p:sldMasterIdLst>
   <p:notesMasterIdLst>
-    <p:notesMasterId r:id="rId8"/>
+    <p:notesMasterId r:id="rId9"/>
   </p:notesMasterIdLst>
   <p:sldIdLst>
     <p:sldId id="256" r:id="rId2"/>
     <p:sldId id="257" r:id="rId3"/>
-    <p:sldId id="258" r:id="rId4"/>
-    <p:sldId id="259" r:id="rId5"/>
-    <p:sldId id="260" r:id="rId6"/>
-    <p:sldId id="261" r:id="rId7"/>
+    <p:sldId id="262" r:id="rId4"/>
+    <p:sldId id="258" r:id="rId5"/>
+    <p:sldId id="259" r:id="rId6"/>
+    <p:sldId id="260" r:id="rId7"/>
+    <p:sldId id="261" r:id="rId8"/>
   </p:sldIdLst>
   <p:sldSz cx="12192000" cy="6858000"/>
   <p:notesSz cx="6858000" cy="9144000"/>
@@ -112,6 +113,11 @@
       </a:defRPr>
     </a:lvl9pPr>
   </p:defaultTextStyle>
+  <p:extLst>
+    <p:ext uri="{EFAFB233-063F-42B5-8137-9DF3F51BA10A}">
+      <p15:sldGuideLst xmlns:p15="http://schemas.microsoft.com/office/powerpoint/2012/main"/>
+    </p:ext>
+  </p:extLst>
 </p:presentation>
 </file>
 
@@ -197,7 +203,7 @@
           <a:p>
             <a:fld id="{849CBBF3-F71E-48C4-94F7-C0FC5390F76D}" type="datetimeFigureOut">
               <a:rPr kumimoji="1" lang="ja-JP" altLang="en-US" smtClean="0"/>
-              <a:t>2021/10/27</a:t>
+              <a:t>2021/10/28</a:t>
             </a:fld>
             <a:endParaRPr kumimoji="1" lang="ja-JP" altLang="en-US"/>
           </a:p>
@@ -643,7 +649,7 @@
           <a:p>
             <a:fld id="{A93F5C40-9720-4DE6-8090-9FAA4898D86C}" type="datetimeFigureOut">
               <a:rPr kumimoji="1" lang="ja-JP" altLang="en-US" smtClean="0"/>
-              <a:t>2021/10/27</a:t>
+              <a:t>2021/10/28</a:t>
             </a:fld>
             <a:endParaRPr kumimoji="1" lang="ja-JP" altLang="en-US"/>
           </a:p>
@@ -873,7 +879,7 @@
           <a:p>
             <a:fld id="{A93F5C40-9720-4DE6-8090-9FAA4898D86C}" type="datetimeFigureOut">
               <a:rPr kumimoji="1" lang="ja-JP" altLang="en-US" smtClean="0"/>
-              <a:t>2021/10/27</a:t>
+              <a:t>2021/10/28</a:t>
             </a:fld>
             <a:endParaRPr kumimoji="1" lang="ja-JP" altLang="en-US"/>
           </a:p>
@@ -1113,7 +1119,7 @@
           <a:p>
             <a:fld id="{A93F5C40-9720-4DE6-8090-9FAA4898D86C}" type="datetimeFigureOut">
               <a:rPr kumimoji="1" lang="ja-JP" altLang="en-US" smtClean="0"/>
-              <a:t>2021/10/27</a:t>
+              <a:t>2021/10/28</a:t>
             </a:fld>
             <a:endParaRPr kumimoji="1" lang="ja-JP" altLang="en-US"/>
           </a:p>
@@ -1343,7 +1349,7 @@
           <a:p>
             <a:fld id="{A93F5C40-9720-4DE6-8090-9FAA4898D86C}" type="datetimeFigureOut">
               <a:rPr kumimoji="1" lang="ja-JP" altLang="en-US" smtClean="0"/>
-              <a:t>2021/10/27</a:t>
+              <a:t>2021/10/28</a:t>
             </a:fld>
             <a:endParaRPr kumimoji="1" lang="ja-JP" altLang="en-US"/>
           </a:p>
@@ -1618,7 +1624,7 @@
           <a:p>
             <a:fld id="{A93F5C40-9720-4DE6-8090-9FAA4898D86C}" type="datetimeFigureOut">
               <a:rPr kumimoji="1" lang="ja-JP" altLang="en-US" smtClean="0"/>
-              <a:t>2021/10/27</a:t>
+              <a:t>2021/10/28</a:t>
             </a:fld>
             <a:endParaRPr kumimoji="1" lang="ja-JP" altLang="en-US"/>
           </a:p>
@@ -1947,7 +1953,7 @@
           <a:p>
             <a:fld id="{A93F5C40-9720-4DE6-8090-9FAA4898D86C}" type="datetimeFigureOut">
               <a:rPr kumimoji="1" lang="ja-JP" altLang="en-US" smtClean="0"/>
-              <a:t>2021/10/27</a:t>
+              <a:t>2021/10/28</a:t>
             </a:fld>
             <a:endParaRPr kumimoji="1" lang="ja-JP" altLang="en-US"/>
           </a:p>
@@ -2423,7 +2429,7 @@
           <a:p>
             <a:fld id="{A93F5C40-9720-4DE6-8090-9FAA4898D86C}" type="datetimeFigureOut">
               <a:rPr kumimoji="1" lang="ja-JP" altLang="en-US" smtClean="0"/>
-              <a:t>2021/10/27</a:t>
+              <a:t>2021/10/28</a:t>
             </a:fld>
             <a:endParaRPr kumimoji="1" lang="ja-JP" altLang="en-US"/>
           </a:p>
@@ -2564,7 +2570,7 @@
           <a:p>
             <a:fld id="{A93F5C40-9720-4DE6-8090-9FAA4898D86C}" type="datetimeFigureOut">
               <a:rPr kumimoji="1" lang="ja-JP" altLang="en-US" smtClean="0"/>
-              <a:t>2021/10/27</a:t>
+              <a:t>2021/10/28</a:t>
             </a:fld>
             <a:endParaRPr kumimoji="1" lang="ja-JP" altLang="en-US"/>
           </a:p>
@@ -2677,7 +2683,7 @@
           <a:p>
             <a:fld id="{A93F5C40-9720-4DE6-8090-9FAA4898D86C}" type="datetimeFigureOut">
               <a:rPr kumimoji="1" lang="ja-JP" altLang="en-US" smtClean="0"/>
-              <a:t>2021/10/27</a:t>
+              <a:t>2021/10/28</a:t>
             </a:fld>
             <a:endParaRPr kumimoji="1" lang="ja-JP" altLang="en-US"/>
           </a:p>
@@ -3020,7 +3026,7 @@
           <a:p>
             <a:fld id="{A93F5C40-9720-4DE6-8090-9FAA4898D86C}" type="datetimeFigureOut">
               <a:rPr kumimoji="1" lang="ja-JP" altLang="en-US" smtClean="0"/>
-              <a:t>2021/10/27</a:t>
+              <a:t>2021/10/28</a:t>
             </a:fld>
             <a:endParaRPr kumimoji="1" lang="ja-JP" altLang="en-US"/>
           </a:p>
@@ -3308,7 +3314,7 @@
           <a:p>
             <a:fld id="{A93F5C40-9720-4DE6-8090-9FAA4898D86C}" type="datetimeFigureOut">
               <a:rPr kumimoji="1" lang="ja-JP" altLang="en-US" smtClean="0"/>
-              <a:t>2021/10/27</a:t>
+              <a:t>2021/10/28</a:t>
             </a:fld>
             <a:endParaRPr kumimoji="1" lang="ja-JP" altLang="en-US"/>
           </a:p>
@@ -3581,7 +3587,7 @@
           <a:p>
             <a:fld id="{A93F5C40-9720-4DE6-8090-9FAA4898D86C}" type="datetimeFigureOut">
               <a:rPr kumimoji="1" lang="ja-JP" altLang="en-US" smtClean="0"/>
-              <a:t>2021/10/27</a:t>
+              <a:t>2021/10/28</a:t>
             </a:fld>
             <a:endParaRPr kumimoji="1" lang="ja-JP" altLang="en-US"/>
           </a:p>
@@ -4022,7 +4028,7 @@
             <a:pPr algn="ctr"/>
             <a:r>
               <a:rPr lang="ja-JP" altLang="en-US" dirty="0"/>
-              <a:t>プロファイル・ワークシート</a:t>
+              <a:t>衣服プロファイルシート</a:t>
             </a:r>
           </a:p>
         </p:txBody>
@@ -4381,7 +4387,7 @@
           <a:p>
             <a:r>
               <a:rPr kumimoji="1" lang="ja-JP" altLang="en-US" dirty="0"/>
-              <a:t>キャラクター・シート</a:t>
+              <a:t>キャラクターシート</a:t>
             </a:r>
           </a:p>
         </p:txBody>
@@ -4434,14 +4440,29 @@
           <a:lstStyle/>
           <a:p>
             <a:r>
-              <a:rPr kumimoji="1" lang="ja-JP" altLang="en-US" dirty="0">
+              <a:rPr kumimoji="1" lang="ja-JP" altLang="en-US" sz="2400" dirty="0">
+                <a:solidFill>
+                  <a:srgbClr val="00B0F0"/>
+                </a:solidFill>
+              </a:rPr>
+              <a:t>（項目が決まったらあとで表にする予定）</a:t>
+            </a:r>
+            <a:endParaRPr kumimoji="1" lang="en-US" altLang="ja-JP" sz="2400" dirty="0">
+              <a:solidFill>
+                <a:srgbClr val="00B0F0"/>
+              </a:solidFill>
+            </a:endParaRPr>
+          </a:p>
+          <a:p>
+            <a:r>
+              <a:rPr kumimoji="1" lang="ja-JP" altLang="en-US" sz="2400" dirty="0">
                 <a:solidFill>
                   <a:srgbClr val="FF0000"/>
                 </a:solidFill>
               </a:rPr>
-              <a:t>（あとで表にする）</a:t>
-            </a:r>
-            <a:endParaRPr kumimoji="1" lang="en-US" altLang="ja-JP" dirty="0">
+              <a:t>・名前</a:t>
+            </a:r>
+            <a:endParaRPr kumimoji="1" lang="en-US" altLang="ja-JP" sz="2400" dirty="0">
               <a:solidFill>
                 <a:srgbClr val="FF0000"/>
               </a:solidFill>
@@ -4449,14 +4470,14 @@
           </a:p>
           <a:p>
             <a:r>
-              <a:rPr kumimoji="1" lang="ja-JP" altLang="en-US" dirty="0">
+              <a:rPr kumimoji="1" lang="ja-JP" altLang="en-US" sz="2400" dirty="0">
                 <a:solidFill>
                   <a:srgbClr val="FF0000"/>
                 </a:solidFill>
               </a:rPr>
               <a:t>・年齢</a:t>
             </a:r>
-            <a:endParaRPr kumimoji="1" lang="en-US" altLang="ja-JP" dirty="0">
+            <a:endParaRPr kumimoji="1" lang="en-US" altLang="ja-JP" sz="2400" dirty="0">
               <a:solidFill>
                 <a:srgbClr val="FF0000"/>
               </a:solidFill>
@@ -4464,14 +4485,14 @@
           </a:p>
           <a:p>
             <a:r>
-              <a:rPr kumimoji="1" lang="ja-JP" altLang="en-US" dirty="0">
+              <a:rPr kumimoji="1" lang="ja-JP" altLang="en-US" sz="2400" dirty="0">
                 <a:solidFill>
                   <a:srgbClr val="FF0000"/>
                 </a:solidFill>
               </a:rPr>
               <a:t>・性別</a:t>
             </a:r>
-            <a:endParaRPr kumimoji="1" lang="en-US" altLang="ja-JP" dirty="0">
+            <a:endParaRPr kumimoji="1" lang="en-US" altLang="ja-JP" sz="2400" dirty="0">
               <a:solidFill>
                 <a:srgbClr val="FF0000"/>
               </a:solidFill>
@@ -4479,14 +4500,14 @@
           </a:p>
           <a:p>
             <a:r>
-              <a:rPr kumimoji="1" lang="ja-JP" altLang="en-US" dirty="0">
+              <a:rPr kumimoji="1" lang="ja-JP" altLang="en-US" sz="2400" dirty="0">
                 <a:solidFill>
                   <a:srgbClr val="FF0000"/>
                 </a:solidFill>
               </a:rPr>
               <a:t>・職業</a:t>
             </a:r>
-            <a:endParaRPr kumimoji="1" lang="en-US" altLang="ja-JP" dirty="0">
+            <a:endParaRPr kumimoji="1" lang="en-US" altLang="ja-JP" sz="2400" dirty="0">
               <a:solidFill>
                 <a:srgbClr val="FF0000"/>
               </a:solidFill>
@@ -4494,14 +4515,14 @@
           </a:p>
           <a:p>
             <a:r>
-              <a:rPr lang="ja-JP" altLang="en-US" dirty="0">
+              <a:rPr lang="ja-JP" altLang="en-US" sz="2400" dirty="0">
                 <a:solidFill>
                   <a:srgbClr val="FF0000"/>
                 </a:solidFill>
               </a:rPr>
               <a:t>・居住地</a:t>
             </a:r>
-            <a:endParaRPr lang="en-US" altLang="ja-JP" dirty="0">
+            <a:endParaRPr lang="en-US" altLang="ja-JP" sz="2400" dirty="0">
               <a:solidFill>
                 <a:srgbClr val="FF0000"/>
               </a:solidFill>
@@ -4509,14 +4530,14 @@
           </a:p>
           <a:p>
             <a:r>
-              <a:rPr lang="ja-JP" altLang="en-US" dirty="0">
+              <a:rPr lang="ja-JP" altLang="en-US" sz="2400" dirty="0">
                 <a:solidFill>
                   <a:srgbClr val="FF0000"/>
                 </a:solidFill>
               </a:rPr>
               <a:t>・家族構成</a:t>
             </a:r>
-            <a:endParaRPr lang="en-US" altLang="ja-JP" dirty="0">
+            <a:endParaRPr lang="en-US" altLang="ja-JP" sz="2400" dirty="0">
               <a:solidFill>
                 <a:srgbClr val="FF0000"/>
               </a:solidFill>
@@ -4524,14 +4545,14 @@
           </a:p>
           <a:p>
             <a:r>
-              <a:rPr lang="ja-JP" altLang="en-US" dirty="0">
+              <a:rPr lang="ja-JP" altLang="en-US" sz="2400" dirty="0">
                 <a:solidFill>
                   <a:srgbClr val="FF0000"/>
                 </a:solidFill>
               </a:rPr>
               <a:t>・特技</a:t>
             </a:r>
-            <a:endParaRPr lang="en-US" altLang="ja-JP" dirty="0">
+            <a:endParaRPr lang="en-US" altLang="ja-JP" sz="2400" dirty="0">
               <a:solidFill>
                 <a:srgbClr val="FF0000"/>
               </a:solidFill>
@@ -4539,14 +4560,14 @@
           </a:p>
           <a:p>
             <a:r>
-              <a:rPr lang="ja-JP" altLang="en-US" dirty="0">
+              <a:rPr lang="ja-JP" altLang="en-US" sz="2400" dirty="0">
                 <a:solidFill>
                   <a:srgbClr val="FF0000"/>
                 </a:solidFill>
               </a:rPr>
               <a:t>・好きなもの・こと（趣味など）</a:t>
             </a:r>
-            <a:endParaRPr lang="en-US" altLang="ja-JP" dirty="0">
+            <a:endParaRPr lang="en-US" altLang="ja-JP" sz="2400" dirty="0">
               <a:solidFill>
                 <a:srgbClr val="FF0000"/>
               </a:solidFill>
@@ -4554,14 +4575,14 @@
           </a:p>
           <a:p>
             <a:r>
-              <a:rPr lang="ja-JP" altLang="en-US" dirty="0">
+              <a:rPr lang="ja-JP" altLang="en-US" sz="2400" dirty="0">
                 <a:solidFill>
                   <a:srgbClr val="FF0000"/>
                 </a:solidFill>
               </a:rPr>
               <a:t>・性格</a:t>
             </a:r>
-            <a:endParaRPr lang="en-US" altLang="ja-JP" dirty="0">
+            <a:endParaRPr lang="en-US" altLang="ja-JP" sz="2400" dirty="0">
               <a:solidFill>
                 <a:srgbClr val="FF0000"/>
               </a:solidFill>
@@ -4601,6 +4622,144 @@
       </p:grpSpPr>
       <p:sp>
         <p:nvSpPr>
+          <p:cNvPr id="2" name="タイトル 1">
+            <a:extLst>
+              <a:ext uri="{FF2B5EF4-FFF2-40B4-BE49-F238E27FC236}">
+                <a16:creationId xmlns:a16="http://schemas.microsoft.com/office/drawing/2014/main" id="{8DFC6FEE-3AED-4088-8DE8-E2D61CB0EB2E}"/>
+              </a:ext>
+            </a:extLst>
+          </p:cNvPr>
+          <p:cNvSpPr>
+            <a:spLocks noGrp="1"/>
+          </p:cNvSpPr>
+          <p:nvPr>
+            <p:ph type="title"/>
+          </p:nvPr>
+        </p:nvSpPr>
+        <p:spPr/>
+        <p:txBody>
+          <a:bodyPr>
+            <a:normAutofit/>
+          </a:bodyPr>
+          <a:lstStyle/>
+          <a:p>
+            <a:r>
+              <a:rPr kumimoji="1" lang="ja-JP" altLang="en-US" sz="3600" dirty="0"/>
+              <a:t>「衣服との新しいつきあい方」に関するアイデア</a:t>
+            </a:r>
+          </a:p>
+        </p:txBody>
+      </p:sp>
+      <p:sp>
+        <p:nvSpPr>
+          <p:cNvPr id="5" name="四角形: 角を丸くする 4">
+            <a:extLst>
+              <a:ext uri="{FF2B5EF4-FFF2-40B4-BE49-F238E27FC236}">
+                <a16:creationId xmlns:a16="http://schemas.microsoft.com/office/drawing/2014/main" id="{CFED536A-FF2A-4428-80D9-C142613A06E3}"/>
+              </a:ext>
+            </a:extLst>
+          </p:cNvPr>
+          <p:cNvSpPr/>
+          <p:nvPr/>
+        </p:nvSpPr>
+        <p:spPr>
+          <a:xfrm>
+            <a:off x="1187777" y="1828800"/>
+            <a:ext cx="8738648" cy="4664075"/>
+          </a:xfrm>
+          <a:prstGeom prst="roundRect">
+            <a:avLst/>
+          </a:prstGeom>
+          <a:noFill/>
+          <a:ln>
+            <a:solidFill>
+              <a:schemeClr val="tx1"/>
+            </a:solidFill>
+          </a:ln>
+        </p:spPr>
+        <p:style>
+          <a:lnRef idx="2">
+            <a:schemeClr val="accent1">
+              <a:shade val="50000"/>
+            </a:schemeClr>
+          </a:lnRef>
+          <a:fillRef idx="1">
+            <a:schemeClr val="accent1"/>
+          </a:fillRef>
+          <a:effectRef idx="0">
+            <a:schemeClr val="accent1"/>
+          </a:effectRef>
+          <a:fontRef idx="minor">
+            <a:schemeClr val="lt1"/>
+          </a:fontRef>
+        </p:style>
+        <p:txBody>
+          <a:bodyPr rtlCol="0" anchor="ctr"/>
+          <a:lstStyle/>
+          <a:p>
+            <a:r>
+              <a:rPr kumimoji="1" lang="ja-JP" altLang="en-US" sz="2400" dirty="0">
+                <a:solidFill>
+                  <a:srgbClr val="FF0000"/>
+                </a:solidFill>
+              </a:rPr>
+              <a:t>（ここに記入してください）</a:t>
+            </a:r>
+            <a:endParaRPr kumimoji="1" lang="en-US" altLang="ja-JP" sz="2400" dirty="0">
+              <a:solidFill>
+                <a:srgbClr val="FF0000"/>
+              </a:solidFill>
+            </a:endParaRPr>
+          </a:p>
+          <a:p>
+            <a:r>
+              <a:rPr lang="ja-JP" altLang="en-US" sz="2400" dirty="0">
+                <a:solidFill>
+                  <a:srgbClr val="00B0F0"/>
+                </a:solidFill>
+              </a:rPr>
+              <a:t>（ここはもう少し指示を詳細にした方が良いかもしれないが、具体的な指示内容がまだ思いつかない）</a:t>
+            </a:r>
+            <a:endParaRPr lang="en-US" altLang="ja-JP" sz="2400" dirty="0">
+              <a:solidFill>
+                <a:srgbClr val="00B0F0"/>
+              </a:solidFill>
+            </a:endParaRPr>
+          </a:p>
+        </p:txBody>
+      </p:sp>
+    </p:spTree>
+    <p:extLst>
+      <p:ext uri="{BB962C8B-B14F-4D97-AF65-F5344CB8AC3E}">
+        <p14:creationId xmlns:p14="http://schemas.microsoft.com/office/powerpoint/2010/main" val="4076574640"/>
+      </p:ext>
+    </p:extLst>
+  </p:cSld>
+  <p:clrMapOvr>
+    <a:masterClrMapping/>
+  </p:clrMapOvr>
+</p:sld>
+</file>
+
+<file path=ppt/slides/slide4.xml><?xml version="1.0" encoding="utf-8"?>
+<p:sld xmlns:a="http://schemas.openxmlformats.org/drawingml/2006/main" xmlns:r="http://schemas.openxmlformats.org/officeDocument/2006/relationships" xmlns:p="http://schemas.openxmlformats.org/presentationml/2006/main">
+  <p:cSld>
+    <p:spTree>
+      <p:nvGrpSpPr>
+        <p:cNvPr id="1" name=""/>
+        <p:cNvGrpSpPr/>
+        <p:nvPr/>
+      </p:nvGrpSpPr>
+      <p:grpSpPr>
+        <a:xfrm>
+          <a:off x="0" y="0"/>
+          <a:ext cx="0" cy="0"/>
+          <a:chOff x="0" y="0"/>
+          <a:chExt cx="0" cy="0"/>
+        </a:xfrm>
+      </p:grpSpPr>
+      <p:sp>
+        <p:nvSpPr>
           <p:cNvPr id="4" name="テキスト ボックス 3">
             <a:extLst>
               <a:ext uri="{FF2B5EF4-FFF2-40B4-BE49-F238E27FC236}">
@@ -4629,7 +4788,19 @@
           <a:p>
             <a:r>
               <a:rPr kumimoji="1" lang="ja-JP" altLang="en-US" sz="2400" dirty="0"/>
-              <a:t>次ページ以降に、あなたが考えたエピソードをまとめてください</a:t>
+              <a:t>次ページ以降に、あなたが考えた</a:t>
+            </a:r>
+            <a:r>
+              <a:rPr kumimoji="1" lang="ja-JP" altLang="en-US" sz="2400" dirty="0">
+                <a:solidFill>
+                  <a:srgbClr val="FF0000"/>
+                </a:solidFill>
+              </a:rPr>
+              <a:t>エピソード</a:t>
+            </a:r>
+            <a:r>
+              <a:rPr kumimoji="1" lang="ja-JP" altLang="en-US" sz="2400" dirty="0"/>
+              <a:t>をまとめてください</a:t>
             </a:r>
             <a:endParaRPr kumimoji="1" lang="en-US" altLang="ja-JP" sz="2400" dirty="0"/>
           </a:p>
@@ -4639,44 +4810,108 @@
               <a:t>・枚数は自由ですが、</a:t>
             </a:r>
             <a:r>
-              <a:rPr kumimoji="1" lang="en-US" altLang="ja-JP" sz="2400" dirty="0"/>
+              <a:rPr kumimoji="1" lang="en-US" altLang="ja-JP" sz="2400" dirty="0">
+                <a:solidFill>
+                  <a:srgbClr val="FF0000"/>
+                </a:solidFill>
+              </a:rPr>
               <a:t>2</a:t>
             </a:r>
             <a:r>
+              <a:rPr kumimoji="1" lang="ja-JP" altLang="en-US" sz="2400" dirty="0">
+                <a:solidFill>
+                  <a:srgbClr val="FF0000"/>
+                </a:solidFill>
+              </a:rPr>
+              <a:t>～</a:t>
+            </a:r>
+            <a:r>
+              <a:rPr kumimoji="1" lang="en-US" altLang="ja-JP" sz="2400" dirty="0">
+                <a:solidFill>
+                  <a:srgbClr val="FF0000"/>
+                </a:solidFill>
+              </a:rPr>
+              <a:t>3</a:t>
+            </a:r>
+            <a:r>
+              <a:rPr kumimoji="1" lang="ja-JP" altLang="en-US" sz="2400" dirty="0">
+                <a:solidFill>
+                  <a:srgbClr val="FF0000"/>
+                </a:solidFill>
+              </a:rPr>
+              <a:t>枚程度</a:t>
+            </a:r>
+            <a:r>
               <a:rPr kumimoji="1" lang="ja-JP" altLang="en-US" sz="2400" dirty="0"/>
-              <a:t>～</a:t>
-            </a:r>
-            <a:r>
-              <a:rPr kumimoji="1" lang="en-US" altLang="ja-JP" sz="2400" dirty="0"/>
+              <a:t>をめどにしてください</a:t>
+            </a:r>
+            <a:endParaRPr kumimoji="1" lang="en-US" altLang="ja-JP" sz="2400" dirty="0"/>
+          </a:p>
+          <a:p>
+            <a:r>
+              <a:rPr kumimoji="1" lang="ja-JP" altLang="en-US" sz="2400" dirty="0"/>
+              <a:t>・エピソードを表す</a:t>
+            </a:r>
+            <a:r>
+              <a:rPr kumimoji="1" lang="ja-JP" altLang="en-US" sz="2400" dirty="0">
+                <a:solidFill>
+                  <a:srgbClr val="FF0000"/>
+                </a:solidFill>
+              </a:rPr>
+              <a:t>文章は必ず書いてください</a:t>
+            </a:r>
+            <a:r>
+              <a:rPr kumimoji="1" lang="ja-JP" altLang="en-US" sz="2400" dirty="0"/>
+              <a:t>。</a:t>
+            </a:r>
+            <a:r>
+              <a:rPr kumimoji="1" lang="ja-JP" altLang="en-US" sz="2400" dirty="0">
+                <a:solidFill>
+                  <a:srgbClr val="FF0000"/>
+                </a:solidFill>
+              </a:rPr>
+              <a:t>ゆっくり読み上げて</a:t>
+            </a:r>
+            <a:r>
+              <a:rPr kumimoji="1" lang="en-US" altLang="ja-JP" sz="2400" dirty="0">
+                <a:solidFill>
+                  <a:srgbClr val="FF0000"/>
+                </a:solidFill>
+              </a:rPr>
               <a:t>3</a:t>
             </a:r>
             <a:r>
+              <a:rPr kumimoji="1" lang="ja-JP" altLang="en-US" sz="2400" dirty="0">
+                <a:solidFill>
+                  <a:srgbClr val="FF0000"/>
+                </a:solidFill>
+              </a:rPr>
+              <a:t>分以内に収まる分量</a:t>
+            </a:r>
+            <a:r>
               <a:rPr kumimoji="1" lang="ja-JP" altLang="en-US" sz="2400" dirty="0"/>
-              <a:t>枚程度をめどにしてください</a:t>
+              <a:t>でお願いします</a:t>
             </a:r>
             <a:endParaRPr kumimoji="1" lang="en-US" altLang="ja-JP" sz="2400" dirty="0"/>
           </a:p>
           <a:p>
             <a:r>
               <a:rPr kumimoji="1" lang="ja-JP" altLang="en-US" sz="2400" dirty="0"/>
-              <a:t>・エピソードを表す文章は必ず書いてください。ゆっくり読み上げて</a:t>
-            </a:r>
-            <a:r>
-              <a:rPr kumimoji="1" lang="en-US" altLang="ja-JP" sz="2400" dirty="0"/>
-              <a:t>3</a:t>
-            </a:r>
-            <a:r>
-              <a:rPr kumimoji="1" lang="ja-JP" altLang="en-US" sz="2400" dirty="0"/>
-              <a:t>分以内に収まる分量でお願いします</a:t>
-            </a:r>
-            <a:endParaRPr kumimoji="1" lang="en-US" altLang="ja-JP" sz="2400" dirty="0"/>
-          </a:p>
-          <a:p>
-            <a:r>
-              <a:rPr kumimoji="1" lang="ja-JP" altLang="en-US" sz="2400" dirty="0"/>
-              <a:t>・イラストや写真を使うかどうか、レイアウトをどうするかはお任せします</a:t>
-            </a:r>
-            <a:endParaRPr kumimoji="1" lang="en-US" altLang="ja-JP" sz="2400" dirty="0"/>
+              <a:t>・イラストや写真を使うかどうか、</a:t>
+            </a:r>
+            <a:r>
+              <a:rPr kumimoji="1" lang="ja-JP" altLang="en-US" sz="2400" dirty="0">
+                <a:solidFill>
+                  <a:srgbClr val="FF0000"/>
+                </a:solidFill>
+              </a:rPr>
+              <a:t>レイアウトをどうするかはお任せします</a:t>
+            </a:r>
+            <a:endParaRPr kumimoji="1" lang="en-US" altLang="ja-JP" sz="2400" dirty="0">
+              <a:solidFill>
+                <a:srgbClr val="FF0000"/>
+              </a:solidFill>
+            </a:endParaRPr>
           </a:p>
           <a:p>
             <a:endParaRPr lang="en-US" altLang="ja-JP" sz="2400" dirty="0"/>
@@ -4755,7 +4990,7 @@
 </p:sld>
 </file>
 
-<file path=ppt/slides/slide4.xml><?xml version="1.0" encoding="utf-8"?>
+<file path=ppt/slides/slide5.xml><?xml version="1.0" encoding="utf-8"?>
 <p:sld xmlns:a="http://schemas.openxmlformats.org/drawingml/2006/main" xmlns:r="http://schemas.openxmlformats.org/officeDocument/2006/relationships" xmlns:p="http://schemas.openxmlformats.org/presentationml/2006/main">
   <p:cSld>
     <p:spTree>
@@ -4785,7 +5020,7 @@
 </p:sld>
 </file>
 
-<file path=ppt/slides/slide5.xml><?xml version="1.0" encoding="utf-8"?>
+<file path=ppt/slides/slide6.xml><?xml version="1.0" encoding="utf-8"?>
 <p:sld xmlns:a="http://schemas.openxmlformats.org/drawingml/2006/main" xmlns:r="http://schemas.openxmlformats.org/officeDocument/2006/relationships" xmlns:p="http://schemas.openxmlformats.org/presentationml/2006/main">
   <p:cSld>
     <p:spTree>
@@ -4815,7 +5050,7 @@
 </p:sld>
 </file>
 
-<file path=ppt/slides/slide6.xml><?xml version="1.0" encoding="utf-8"?>
+<file path=ppt/slides/slide7.xml><?xml version="1.0" encoding="utf-8"?>
 <p:sld xmlns:a="http://schemas.openxmlformats.org/drawingml/2006/main" xmlns:r="http://schemas.openxmlformats.org/officeDocument/2006/relationships" xmlns:p="http://schemas.openxmlformats.org/presentationml/2006/main">
   <p:cSld>
     <p:spTree>
